--- a/Sales Analyze.pptx
+++ b/Sales Analyze.pptx
@@ -6,7 +6,7 @@
     <p:sldMasterId id="2147483660" r:id="rId2"/>
   </p:sldMasterIdLst>
   <p:notesMasterIdLst>
-    <p:notesMasterId r:id="rId27"/>
+    <p:notesMasterId r:id="rId26"/>
   </p:notesMasterIdLst>
   <p:sldIdLst>
     <p:sldId id="256" r:id="rId3"/>
@@ -16,23 +16,22 @@
     <p:sldId id="263" r:id="rId7"/>
     <p:sldId id="264" r:id="rId8"/>
     <p:sldId id="257" r:id="rId9"/>
-    <p:sldId id="258" r:id="rId10"/>
-    <p:sldId id="259" r:id="rId11"/>
-    <p:sldId id="280" r:id="rId12"/>
-    <p:sldId id="282" r:id="rId13"/>
-    <p:sldId id="279" r:id="rId14"/>
-    <p:sldId id="278" r:id="rId15"/>
-    <p:sldId id="265" r:id="rId16"/>
-    <p:sldId id="270" r:id="rId17"/>
-    <p:sldId id="275" r:id="rId18"/>
-    <p:sldId id="274" r:id="rId19"/>
-    <p:sldId id="276" r:id="rId20"/>
-    <p:sldId id="266" r:id="rId21"/>
-    <p:sldId id="269" r:id="rId22"/>
-    <p:sldId id="277" r:id="rId23"/>
-    <p:sldId id="268" r:id="rId24"/>
-    <p:sldId id="267" r:id="rId25"/>
-    <p:sldId id="271" r:id="rId26"/>
+    <p:sldId id="259" r:id="rId10"/>
+    <p:sldId id="280" r:id="rId11"/>
+    <p:sldId id="282" r:id="rId12"/>
+    <p:sldId id="279" r:id="rId13"/>
+    <p:sldId id="278" r:id="rId14"/>
+    <p:sldId id="265" r:id="rId15"/>
+    <p:sldId id="270" r:id="rId16"/>
+    <p:sldId id="275" r:id="rId17"/>
+    <p:sldId id="274" r:id="rId18"/>
+    <p:sldId id="276" r:id="rId19"/>
+    <p:sldId id="266" r:id="rId20"/>
+    <p:sldId id="269" r:id="rId21"/>
+    <p:sldId id="277" r:id="rId22"/>
+    <p:sldId id="268" r:id="rId23"/>
+    <p:sldId id="267" r:id="rId24"/>
+    <p:sldId id="271" r:id="rId25"/>
   </p:sldIdLst>
   <p:sldSz cx="12192000" cy="6858000"/>
   <p:notesSz cx="6858000" cy="9144000"/>
@@ -221,7 +220,7 @@
           <a:p>
             <a:fld id="{D14BA7D7-D982-4B94-B0AC-364DC2872F87}" type="datetimeFigureOut">
               <a:rPr lang="en-IN" smtClean="0"/>
-              <a:t>21-02-2024</a:t>
+              <a:t>25-02-2024</a:t>
             </a:fld>
             <a:endParaRPr lang="en-IN"/>
           </a:p>
@@ -523,7 +522,7 @@
           <a:p>
             <a:r>
               <a:rPr b="1" dirty="0"/>
-              <a:t>actionButton</a:t>
+              <a:t>image</a:t>
             </a:r>
             <a:endParaRPr dirty="0"/>
           </a:p>
@@ -540,7 +539,7 @@
           <a:p>
             <a:r>
               <a:rPr b="1" dirty="0"/>
-              <a:t>actionButton</a:t>
+              <a:t>image</a:t>
             </a:r>
             <a:endParaRPr dirty="0"/>
           </a:p>
@@ -557,7 +556,7 @@
           <a:p>
             <a:r>
               <a:rPr b="1" dirty="0"/>
-              <a:t>actionButton</a:t>
+              <a:t>textbox</a:t>
             </a:r>
             <a:endParaRPr dirty="0"/>
           </a:p>
@@ -591,7 +590,7 @@
           <a:p>
             <a:r>
               <a:rPr b="1" dirty="0"/>
-              <a:t>textbox</a:t>
+              <a:t>Revenue</a:t>
             </a:r>
             <a:endParaRPr dirty="0"/>
           </a:p>
@@ -608,7 +607,7 @@
           <a:p>
             <a:r>
               <a:rPr b="1" dirty="0"/>
-              <a:t>image</a:t>
+              <a:t>clusteredColumnChart</a:t>
             </a:r>
             <a:endParaRPr dirty="0"/>
           </a:p>
@@ -625,7 +624,7 @@
           <a:p>
             <a:r>
               <a:rPr b="1" dirty="0"/>
-              <a:t>image</a:t>
+              <a:t>Campaign</a:t>
             </a:r>
             <a:endParaRPr dirty="0"/>
           </a:p>
@@ -676,7 +675,75 @@
           <a:p>
             <a:r>
               <a:rPr b="1" dirty="0"/>
+              <a:t>actionButton</a:t>
+            </a:r>
+            <a:endParaRPr dirty="0"/>
+          </a:p>
+          <a:p>
+            <a:r>
+              <a:rPr b="0" dirty="0"/>
+              <a:t>No alt text provided</a:t>
+            </a:r>
+            <a:endParaRPr dirty="0"/>
+          </a:p>
+          <a:p>
+            <a:endParaRPr dirty="0"/>
+          </a:p>
+          <a:p>
+            <a:r>
+              <a:rPr b="1" dirty="0"/>
               <a:t>Review</a:t>
+            </a:r>
+            <a:endParaRPr dirty="0"/>
+          </a:p>
+          <a:p>
+            <a:r>
+              <a:rPr b="0" dirty="0"/>
+              <a:t>No alt text provided</a:t>
+            </a:r>
+            <a:endParaRPr dirty="0"/>
+          </a:p>
+          <a:p>
+            <a:endParaRPr dirty="0"/>
+          </a:p>
+          <a:p>
+            <a:r>
+              <a:rPr b="1" dirty="0"/>
+              <a:t>actionButton</a:t>
+            </a:r>
+            <a:endParaRPr dirty="0"/>
+          </a:p>
+          <a:p>
+            <a:r>
+              <a:rPr b="0" dirty="0"/>
+              <a:t>No alt text provided</a:t>
+            </a:r>
+            <a:endParaRPr dirty="0"/>
+          </a:p>
+          <a:p>
+            <a:endParaRPr dirty="0"/>
+          </a:p>
+          <a:p>
+            <a:r>
+              <a:rPr b="1" dirty="0"/>
+              <a:t>actionButton</a:t>
+            </a:r>
+            <a:endParaRPr dirty="0"/>
+          </a:p>
+          <a:p>
+            <a:r>
+              <a:rPr b="0" dirty="0"/>
+              <a:t>No alt text provided</a:t>
+            </a:r>
+            <a:endParaRPr dirty="0"/>
+          </a:p>
+          <a:p>
+            <a:endParaRPr dirty="0"/>
+          </a:p>
+          <a:p>
+            <a:r>
+              <a:rPr b="1" dirty="0"/>
+              <a:t>actionButton</a:t>
             </a:r>
             <a:endParaRPr dirty="0"/>
           </a:p>
@@ -751,7 +818,7 @@
           <a:p>
             <a:r>
               <a:rPr b="1" dirty="0"/>
-              <a:t>image</a:t>
+              <a:t>shape</a:t>
             </a:r>
             <a:endParaRPr dirty="0"/>
           </a:p>
@@ -768,7 +835,7 @@
           <a:p>
             <a:r>
               <a:rPr b="1" dirty="0"/>
-              <a:t>image</a:t>
+              <a:t>textbox</a:t>
             </a:r>
             <a:endParaRPr dirty="0"/>
           </a:p>
@@ -785,7 +852,7 @@
           <a:p>
             <a:r>
               <a:rPr b="1" dirty="0"/>
-              <a:t>textbox</a:t>
+              <a:t>pageNavigator</a:t>
             </a:r>
             <a:endParaRPr dirty="0"/>
           </a:p>
@@ -802,7 +869,7 @@
           <a:p>
             <a:r>
               <a:rPr b="1" dirty="0"/>
-              <a:t>shape</a:t>
+              <a:t>image</a:t>
             </a:r>
             <a:endParaRPr dirty="0"/>
           </a:p>
@@ -819,7 +886,7 @@
           <a:p>
             <a:r>
               <a:rPr b="1" dirty="0"/>
-              <a:t>Revenue_after_Promo</a:t>
+              <a:t>image</a:t>
             </a:r>
             <a:endParaRPr dirty="0"/>
           </a:p>
@@ -836,7 +903,7 @@
           <a:p>
             <a:r>
               <a:rPr b="1" dirty="0"/>
-              <a:t>Revenue_after_Promo</a:t>
+              <a:t>tableEx</a:t>
             </a:r>
             <a:endParaRPr dirty="0"/>
           </a:p>
@@ -853,7 +920,7 @@
           <a:p>
             <a:r>
               <a:rPr b="1" dirty="0"/>
-              <a:t>Campaign</a:t>
+              <a:t>tableEx</a:t>
             </a:r>
             <a:endParaRPr dirty="0"/>
           </a:p>
@@ -870,7 +937,177 @@
           <a:p>
             <a:r>
               <a:rPr b="1" dirty="0"/>
+              <a:t>textbox</a:t>
+            </a:r>
+            <a:endParaRPr dirty="0"/>
+          </a:p>
+          <a:p>
+            <a:r>
+              <a:rPr b="0" dirty="0"/>
+              <a:t>No alt text provided</a:t>
+            </a:r>
+            <a:endParaRPr dirty="0"/>
+          </a:p>
+          <a:p>
+            <a:endParaRPr dirty="0"/>
+          </a:p>
+          <a:p>
+            <a:r>
+              <a:rPr b="1" dirty="0"/>
+              <a:t>textbox</a:t>
+            </a:r>
+            <a:endParaRPr dirty="0"/>
+          </a:p>
+          <a:p>
+            <a:r>
+              <a:rPr b="0" dirty="0"/>
+              <a:t>No alt text provided</a:t>
+            </a:r>
+            <a:endParaRPr dirty="0"/>
+          </a:p>
+          <a:p>
+            <a:endParaRPr dirty="0"/>
+          </a:p>
+          <a:p>
+            <a:r>
+              <a:rPr b="1" dirty="0"/>
+              <a:t>shape</a:t>
+            </a:r>
+            <a:endParaRPr dirty="0"/>
+          </a:p>
+          <a:p>
+            <a:r>
+              <a:rPr b="0" dirty="0"/>
+              <a:t>No alt text provided</a:t>
+            </a:r>
+            <a:endParaRPr dirty="0"/>
+          </a:p>
+          <a:p>
+            <a:endParaRPr dirty="0"/>
+          </a:p>
+          <a:p>
+            <a:r>
+              <a:rPr b="1" dirty="0"/>
+              <a:t>Revenue after Promo</a:t>
+            </a:r>
+            <a:endParaRPr dirty="0"/>
+          </a:p>
+          <a:p>
+            <a:r>
+              <a:rPr b="0" dirty="0"/>
+              <a:t>No alt text provided</a:t>
+            </a:r>
+            <a:endParaRPr dirty="0"/>
+          </a:p>
+          <a:p>
+            <a:endParaRPr dirty="0"/>
+          </a:p>
+          <a:p>
+            <a:r>
+              <a:rPr b="1" dirty="0"/>
+              <a:t>shape</a:t>
+            </a:r>
+            <a:endParaRPr dirty="0"/>
+          </a:p>
+          <a:p>
+            <a:r>
+              <a:rPr b="0" dirty="0"/>
+              <a:t>No alt text provided</a:t>
+            </a:r>
+            <a:endParaRPr dirty="0"/>
+          </a:p>
+          <a:p>
+            <a:endParaRPr dirty="0"/>
+          </a:p>
+          <a:p>
+            <a:r>
+              <a:rPr b="1" dirty="0"/>
+              <a:t>Revenue before promo</a:t>
+            </a:r>
+            <a:endParaRPr dirty="0"/>
+          </a:p>
+          <a:p>
+            <a:r>
+              <a:rPr b="0" dirty="0"/>
+              <a:t>No alt text provided</a:t>
+            </a:r>
+            <a:endParaRPr dirty="0"/>
+          </a:p>
+          <a:p>
+            <a:endParaRPr dirty="0"/>
+          </a:p>
+          <a:p>
+            <a:r>
+              <a:rPr b="1" dirty="0"/>
+              <a:t>Incremental Revenue</a:t>
+            </a:r>
+            <a:endParaRPr dirty="0"/>
+          </a:p>
+          <a:p>
+            <a:r>
+              <a:rPr b="0" dirty="0"/>
+              <a:t>No alt text provided</a:t>
+            </a:r>
+            <a:endParaRPr dirty="0"/>
+          </a:p>
+          <a:p>
+            <a:endParaRPr dirty="0"/>
+          </a:p>
+          <a:p>
+            <a:r>
+              <a:rPr b="1" dirty="0"/>
               <a:t>actionButton</a:t>
+            </a:r>
+            <a:endParaRPr dirty="0"/>
+          </a:p>
+          <a:p>
+            <a:r>
+              <a:rPr b="0" dirty="0"/>
+              <a:t>No alt text provided</a:t>
+            </a:r>
+            <a:endParaRPr dirty="0"/>
+          </a:p>
+          <a:p>
+            <a:endParaRPr dirty="0"/>
+          </a:p>
+          <a:p>
+            <a:r>
+              <a:rPr b="1" dirty="0"/>
+              <a:t>Campaign</a:t>
+            </a:r>
+            <a:endParaRPr dirty="0"/>
+          </a:p>
+          <a:p>
+            <a:r>
+              <a:rPr b="0" dirty="0"/>
+              <a:t>No alt text provided</a:t>
+            </a:r>
+            <a:endParaRPr dirty="0"/>
+          </a:p>
+          <a:p>
+            <a:endParaRPr dirty="0"/>
+          </a:p>
+          <a:p>
+            <a:r>
+              <a:rPr b="1" dirty="0"/>
+              <a:t>City</a:t>
+            </a:r>
+            <a:endParaRPr dirty="0"/>
+          </a:p>
+          <a:p>
+            <a:r>
+              <a:rPr b="0" dirty="0"/>
+              <a:t>No alt text provided</a:t>
+            </a:r>
+            <a:endParaRPr dirty="0"/>
+          </a:p>
+          <a:p>
+            <a:endParaRPr dirty="0"/>
+          </a:p>
+          <a:p>
+            <a:r>
+              <a:rPr b="1" dirty="0"/>
+              <a:t>Sales after Promo </a:t>
             </a:r>
             <a:endParaRPr dirty="0"/>
           </a:p>
@@ -945,7 +1182,7 @@
           <a:p>
             <a:r>
               <a:rPr b="1" dirty="0"/>
-              <a:t>textbox</a:t>
+              <a:t>tableEx</a:t>
             </a:r>
             <a:endParaRPr dirty="0"/>
           </a:p>
@@ -962,7 +1199,7 @@
           <a:p>
             <a:r>
               <a:rPr b="1" dirty="0"/>
-              <a:t>pageNavigator</a:t>
+              <a:t>tableEx</a:t>
             </a:r>
             <a:endParaRPr dirty="0"/>
           </a:p>
@@ -979,7 +1216,7 @@
           <a:p>
             <a:r>
               <a:rPr b="1" dirty="0"/>
-              <a:t>image</a:t>
+              <a:t>textbox</a:t>
             </a:r>
             <a:endParaRPr dirty="0"/>
           </a:p>
@@ -996,7 +1233,7 @@
           <a:p>
             <a:r>
               <a:rPr b="1" dirty="0"/>
-              <a:t>image</a:t>
+              <a:t>textbox</a:t>
             </a:r>
             <a:endParaRPr dirty="0"/>
           </a:p>
@@ -1013,7 +1250,7 @@
           <a:p>
             <a:r>
               <a:rPr b="1" dirty="0"/>
-              <a:t>tableEx</a:t>
+              <a:t>Incremental_Sold_Unit by promo_type</a:t>
             </a:r>
             <a:endParaRPr dirty="0"/>
           </a:p>
@@ -1030,7 +1267,7 @@
           <a:p>
             <a:r>
               <a:rPr b="1" dirty="0"/>
-              <a:t>tableEx</a:t>
+              <a:t>shape</a:t>
             </a:r>
             <a:endParaRPr dirty="0"/>
           </a:p>
@@ -1047,7 +1284,7 @@
           <a:p>
             <a:r>
               <a:rPr b="1" dirty="0"/>
-              <a:t>textbox</a:t>
+              <a:t>Incremental_Revenue by promo_type</a:t>
             </a:r>
             <a:endParaRPr dirty="0"/>
           </a:p>
@@ -1064,7 +1301,7 @@
           <a:p>
             <a:r>
               <a:rPr b="1" dirty="0"/>
-              <a:t>textbox</a:t>
+              <a:t>shape</a:t>
             </a:r>
             <a:endParaRPr dirty="0"/>
           </a:p>
@@ -1098,7 +1335,7 @@
           <a:p>
             <a:r>
               <a:rPr b="1" dirty="0"/>
-              <a:t>Revenue after Promo</a:t>
+              <a:t>textbox</a:t>
             </a:r>
             <a:endParaRPr dirty="0"/>
           </a:p>
@@ -1115,7 +1352,7 @@
           <a:p>
             <a:r>
               <a:rPr b="1" dirty="0"/>
-              <a:t>shape</a:t>
+              <a:t>pageNavigator</a:t>
             </a:r>
             <a:endParaRPr dirty="0"/>
           </a:p>
@@ -1132,7 +1369,7 @@
           <a:p>
             <a:r>
               <a:rPr b="1" dirty="0"/>
-              <a:t>Revenue before promo</a:t>
+              <a:t>image</a:t>
             </a:r>
             <a:endParaRPr dirty="0"/>
           </a:p>
@@ -1149,75 +1386,7 @@
           <a:p>
             <a:r>
               <a:rPr b="1" dirty="0"/>
-              <a:t>Incremental Revenue</a:t>
-            </a:r>
-            <a:endParaRPr dirty="0"/>
-          </a:p>
-          <a:p>
-            <a:r>
-              <a:rPr b="0" dirty="0"/>
-              <a:t>No alt text provided</a:t>
-            </a:r>
-            <a:endParaRPr dirty="0"/>
-          </a:p>
-          <a:p>
-            <a:endParaRPr dirty="0"/>
-          </a:p>
-          <a:p>
-            <a:r>
-              <a:rPr b="1" dirty="0"/>
-              <a:t>actionButton</a:t>
-            </a:r>
-            <a:endParaRPr dirty="0"/>
-          </a:p>
-          <a:p>
-            <a:r>
-              <a:rPr b="0" dirty="0"/>
-              <a:t>No alt text provided</a:t>
-            </a:r>
-            <a:endParaRPr dirty="0"/>
-          </a:p>
-          <a:p>
-            <a:endParaRPr dirty="0"/>
-          </a:p>
-          <a:p>
-            <a:r>
-              <a:rPr b="1" dirty="0"/>
-              <a:t>Campaign</a:t>
-            </a:r>
-            <a:endParaRPr dirty="0"/>
-          </a:p>
-          <a:p>
-            <a:r>
-              <a:rPr b="0" dirty="0"/>
-              <a:t>No alt text provided</a:t>
-            </a:r>
-            <a:endParaRPr dirty="0"/>
-          </a:p>
-          <a:p>
-            <a:endParaRPr dirty="0"/>
-          </a:p>
-          <a:p>
-            <a:r>
-              <a:rPr b="1" dirty="0"/>
-              <a:t>City</a:t>
-            </a:r>
-            <a:endParaRPr dirty="0"/>
-          </a:p>
-          <a:p>
-            <a:r>
-              <a:rPr b="0" dirty="0"/>
-              <a:t>No alt text provided</a:t>
-            </a:r>
-            <a:endParaRPr dirty="0"/>
-          </a:p>
-          <a:p>
-            <a:endParaRPr dirty="0"/>
-          </a:p>
-          <a:p>
-            <a:r>
-              <a:rPr b="1" dirty="0"/>
-              <a:t>Sales after Promo </a:t>
+              <a:t>image</a:t>
             </a:r>
             <a:endParaRPr dirty="0"/>
           </a:p>
@@ -1275,7 +1444,7 @@
           <a:p>
             <a:r>
               <a:rPr b="1" dirty="0"/>
-              <a:t>shape</a:t>
+              <a:t>Category</a:t>
             </a:r>
             <a:endParaRPr dirty="0"/>
           </a:p>
@@ -1292,7 +1461,7 @@
           <a:p>
             <a:r>
               <a:rPr b="1" dirty="0"/>
-              <a:t>tableEx</a:t>
+              <a:t>Products</a:t>
             </a:r>
             <a:endParaRPr dirty="0"/>
           </a:p>
@@ -1309,7 +1478,7 @@
           <a:p>
             <a:r>
               <a:rPr b="1" dirty="0"/>
-              <a:t>tableEx</a:t>
+              <a:t>shape</a:t>
             </a:r>
             <a:endParaRPr dirty="0"/>
           </a:p>
@@ -1326,7 +1495,7 @@
           <a:p>
             <a:r>
               <a:rPr b="1" dirty="0"/>
-              <a:t>textbox</a:t>
+              <a:t>Revenue after promo</a:t>
             </a:r>
             <a:endParaRPr dirty="0"/>
           </a:p>
@@ -1343,75 +1512,7 @@
           <a:p>
             <a:r>
               <a:rPr b="1" dirty="0"/>
-              <a:t>textbox</a:t>
-            </a:r>
-            <a:endParaRPr dirty="0"/>
-          </a:p>
-          <a:p>
-            <a:r>
-              <a:rPr b="0" dirty="0"/>
-              <a:t>No alt text provided</a:t>
-            </a:r>
-            <a:endParaRPr dirty="0"/>
-          </a:p>
-          <a:p>
-            <a:endParaRPr dirty="0"/>
-          </a:p>
-          <a:p>
-            <a:r>
-              <a:rPr b="1" dirty="0"/>
-              <a:t>Incremental_Sold_Unit by promo_type</a:t>
-            </a:r>
-            <a:endParaRPr dirty="0"/>
-          </a:p>
-          <a:p>
-            <a:r>
-              <a:rPr b="0" dirty="0"/>
-              <a:t>No alt text provided</a:t>
-            </a:r>
-            <a:endParaRPr dirty="0"/>
-          </a:p>
-          <a:p>
-            <a:endParaRPr dirty="0"/>
-          </a:p>
-          <a:p>
-            <a:r>
-              <a:rPr b="1" dirty="0"/>
-              <a:t>shape</a:t>
-            </a:r>
-            <a:endParaRPr dirty="0"/>
-          </a:p>
-          <a:p>
-            <a:r>
-              <a:rPr b="0" dirty="0"/>
-              <a:t>No alt text provided</a:t>
-            </a:r>
-            <a:endParaRPr dirty="0"/>
-          </a:p>
-          <a:p>
-            <a:endParaRPr dirty="0"/>
-          </a:p>
-          <a:p>
-            <a:r>
-              <a:rPr b="1" dirty="0"/>
-              <a:t>Incremental_Revenue by promo_type</a:t>
-            </a:r>
-            <a:endParaRPr dirty="0"/>
-          </a:p>
-          <a:p>
-            <a:r>
-              <a:rPr b="0" dirty="0"/>
-              <a:t>No alt text provided</a:t>
-            </a:r>
-            <a:endParaRPr dirty="0"/>
-          </a:p>
-          <a:p>
-            <a:endParaRPr dirty="0"/>
-          </a:p>
-          <a:p>
-            <a:r>
-              <a:rPr b="1" dirty="0"/>
-              <a:t>shape</a:t>
+              <a:t>Revenue before promo</a:t>
             </a:r>
             <a:endParaRPr dirty="0"/>
           </a:p>
@@ -1554,7 +1655,7 @@
           <a:p>
             <a:r>
               <a:rPr b="1" dirty="0"/>
-              <a:t>Category</a:t>
+              <a:t>barChart</a:t>
             </a:r>
             <a:endParaRPr dirty="0"/>
           </a:p>
@@ -1571,7 +1672,7 @@
           <a:p>
             <a:r>
               <a:rPr b="1" dirty="0"/>
-              <a:t>Products</a:t>
+              <a:t>tableEx</a:t>
             </a:r>
             <a:endParaRPr dirty="0"/>
           </a:p>
@@ -1588,7 +1689,7 @@
           <a:p>
             <a:r>
               <a:rPr b="1" dirty="0"/>
-              <a:t>shape</a:t>
+              <a:t>Quantity_sold (after_promo)</a:t>
             </a:r>
             <a:endParaRPr dirty="0"/>
           </a:p>
@@ -1605,7 +1706,7 @@
           <a:p>
             <a:r>
               <a:rPr b="1" dirty="0"/>
-              <a:t>Revenue after promo</a:t>
+              <a:t>Quantity_sold (before_promo) </a:t>
             </a:r>
             <a:endParaRPr dirty="0"/>
           </a:p>
@@ -1622,7 +1723,7 @@
           <a:p>
             <a:r>
               <a:rPr b="1" dirty="0"/>
-              <a:t>Revenue before promo</a:t>
+              <a:t>image</a:t>
             </a:r>
             <a:endParaRPr dirty="0"/>
           </a:p>
@@ -1639,7 +1740,7 @@
           <a:p>
             <a:r>
               <a:rPr b="1" dirty="0"/>
-              <a:t>shape</a:t>
+              <a:t>image</a:t>
             </a:r>
             <a:endParaRPr dirty="0"/>
           </a:p>
@@ -1673,7 +1774,7 @@
           <a:p>
             <a:r>
               <a:rPr b="1" dirty="0"/>
-              <a:t>pageNavigator</a:t>
+              <a:t>shape</a:t>
             </a:r>
             <a:endParaRPr dirty="0"/>
           </a:p>
@@ -1690,7 +1791,7 @@
           <a:p>
             <a:r>
               <a:rPr b="1" dirty="0"/>
-              <a:t>image</a:t>
+              <a:t>actionButton</a:t>
             </a:r>
             <a:endParaRPr dirty="0"/>
           </a:p>
@@ -1707,7 +1808,75 @@
           <a:p>
             <a:r>
               <a:rPr b="1" dirty="0"/>
-              <a:t>image</a:t>
+              <a:t>Revenue_after_promo</a:t>
+            </a:r>
+            <a:endParaRPr dirty="0"/>
+          </a:p>
+          <a:p>
+            <a:r>
+              <a:rPr b="0" dirty="0"/>
+              <a:t>No alt text provided</a:t>
+            </a:r>
+            <a:endParaRPr dirty="0"/>
+          </a:p>
+          <a:p>
+            <a:endParaRPr dirty="0"/>
+          </a:p>
+          <a:p>
+            <a:r>
+              <a:rPr b="1" dirty="0"/>
+              <a:t>Revenue_before_promo</a:t>
+            </a:r>
+            <a:endParaRPr dirty="0"/>
+          </a:p>
+          <a:p>
+            <a:r>
+              <a:rPr b="0" dirty="0"/>
+              <a:t>No alt text provided</a:t>
+            </a:r>
+            <a:endParaRPr dirty="0"/>
+          </a:p>
+          <a:p>
+            <a:endParaRPr dirty="0"/>
+          </a:p>
+          <a:p>
+            <a:r>
+              <a:rPr b="1" dirty="0"/>
+              <a:t>actionButton</a:t>
+            </a:r>
+            <a:endParaRPr dirty="0"/>
+          </a:p>
+          <a:p>
+            <a:r>
+              <a:rPr b="0" dirty="0"/>
+              <a:t>No alt text provided</a:t>
+            </a:r>
+            <a:endParaRPr dirty="0"/>
+          </a:p>
+          <a:p>
+            <a:endParaRPr dirty="0"/>
+          </a:p>
+          <a:p>
+            <a:r>
+              <a:rPr b="1" dirty="0"/>
+              <a:t>actionButton</a:t>
+            </a:r>
+            <a:endParaRPr dirty="0"/>
+          </a:p>
+          <a:p>
+            <a:r>
+              <a:rPr b="0" dirty="0"/>
+              <a:t>No alt text provided</a:t>
+            </a:r>
+            <a:endParaRPr dirty="0"/>
+          </a:p>
+          <a:p>
+            <a:endParaRPr dirty="0"/>
+          </a:p>
+          <a:p>
+            <a:r>
+              <a:rPr b="1" dirty="0"/>
+              <a:t>City</a:t>
             </a:r>
             <a:endParaRPr dirty="0"/>
           </a:p>
@@ -1732,285 +1901,6 @@
 </file>
 
 <file path=ppt/notesSlides/notesSlide6.xml><?xml version="1.0" encoding="utf-8"?>
-<p:notes xmlns:a="http://schemas.openxmlformats.org/drawingml/2006/main" xmlns:r="http://schemas.openxmlformats.org/officeDocument/2006/relationships" xmlns:p="http://schemas.openxmlformats.org/presentationml/2006/main">
-  <p:cSld>
-    <p:spTree>
-      <p:nvGrpSpPr>
-        <p:cNvPr id="1" name=""/>
-        <p:cNvGrpSpPr/>
-        <p:nvPr/>
-      </p:nvGrpSpPr>
-      <p:grpSpPr>
-        <a:xfrm>
-          <a:off x="0" y="0"/>
-          <a:ext cx="0" cy="0"/>
-          <a:chOff x="0" y="0"/>
-          <a:chExt cx="0" cy="0"/>
-        </a:xfrm>
-      </p:grpSpPr>
-      <p:sp>
-        <p:nvSpPr>
-          <p:cNvPr id="2" name="Slide Text"/>
-          <p:cNvSpPr>
-            <a:spLocks noGrp="1"/>
-          </p:cNvSpPr>
-          <p:nvPr>
-            <p:ph type="body" idx="1"/>
-          </p:nvPr>
-        </p:nvSpPr>
-        <p:spPr/>
-        <p:txBody>
-          <a:bodyPr/>
-          <a:lstStyle/>
-          <a:p>
-            <a:r>
-              <a:rPr b="1" dirty="0"/>
-              <a:t>barChart</a:t>
-            </a:r>
-            <a:endParaRPr dirty="0"/>
-          </a:p>
-          <a:p>
-            <a:r>
-              <a:rPr b="0" dirty="0"/>
-              <a:t>No alt text provided</a:t>
-            </a:r>
-            <a:endParaRPr dirty="0"/>
-          </a:p>
-          <a:p>
-            <a:endParaRPr dirty="0"/>
-          </a:p>
-          <a:p>
-            <a:r>
-              <a:rPr b="1" dirty="0"/>
-              <a:t>tableEx</a:t>
-            </a:r>
-            <a:endParaRPr dirty="0"/>
-          </a:p>
-          <a:p>
-            <a:r>
-              <a:rPr b="0" dirty="0"/>
-              <a:t>No alt text provided</a:t>
-            </a:r>
-            <a:endParaRPr dirty="0"/>
-          </a:p>
-          <a:p>
-            <a:endParaRPr dirty="0"/>
-          </a:p>
-          <a:p>
-            <a:r>
-              <a:rPr b="1" dirty="0"/>
-              <a:t>Quantity_sold (after_promo)</a:t>
-            </a:r>
-            <a:endParaRPr dirty="0"/>
-          </a:p>
-          <a:p>
-            <a:r>
-              <a:rPr b="0" dirty="0"/>
-              <a:t>No alt text provided</a:t>
-            </a:r>
-            <a:endParaRPr dirty="0"/>
-          </a:p>
-          <a:p>
-            <a:endParaRPr dirty="0"/>
-          </a:p>
-          <a:p>
-            <a:r>
-              <a:rPr b="1" dirty="0"/>
-              <a:t>Quantity_sold (before_promo) </a:t>
-            </a:r>
-            <a:endParaRPr dirty="0"/>
-          </a:p>
-          <a:p>
-            <a:r>
-              <a:rPr b="0" dirty="0"/>
-              <a:t>No alt text provided</a:t>
-            </a:r>
-            <a:endParaRPr dirty="0"/>
-          </a:p>
-          <a:p>
-            <a:endParaRPr dirty="0"/>
-          </a:p>
-          <a:p>
-            <a:r>
-              <a:rPr b="1" dirty="0"/>
-              <a:t>image</a:t>
-            </a:r>
-            <a:endParaRPr dirty="0"/>
-          </a:p>
-          <a:p>
-            <a:r>
-              <a:rPr b="0" dirty="0"/>
-              <a:t>No alt text provided</a:t>
-            </a:r>
-            <a:endParaRPr dirty="0"/>
-          </a:p>
-          <a:p>
-            <a:endParaRPr dirty="0"/>
-          </a:p>
-          <a:p>
-            <a:r>
-              <a:rPr b="1" dirty="0"/>
-              <a:t>image</a:t>
-            </a:r>
-            <a:endParaRPr dirty="0"/>
-          </a:p>
-          <a:p>
-            <a:r>
-              <a:rPr b="0" dirty="0"/>
-              <a:t>No alt text provided</a:t>
-            </a:r>
-            <a:endParaRPr dirty="0"/>
-          </a:p>
-          <a:p>
-            <a:endParaRPr dirty="0"/>
-          </a:p>
-          <a:p>
-            <a:r>
-              <a:rPr b="1" dirty="0"/>
-              <a:t>textbox</a:t>
-            </a:r>
-            <a:endParaRPr dirty="0"/>
-          </a:p>
-          <a:p>
-            <a:r>
-              <a:rPr b="0" dirty="0"/>
-              <a:t>No alt text provided</a:t>
-            </a:r>
-            <a:endParaRPr dirty="0"/>
-          </a:p>
-          <a:p>
-            <a:endParaRPr dirty="0"/>
-          </a:p>
-          <a:p>
-            <a:r>
-              <a:rPr b="1" dirty="0"/>
-              <a:t>shape</a:t>
-            </a:r>
-            <a:endParaRPr dirty="0"/>
-          </a:p>
-          <a:p>
-            <a:r>
-              <a:rPr b="0" dirty="0"/>
-              <a:t>No alt text provided</a:t>
-            </a:r>
-            <a:endParaRPr dirty="0"/>
-          </a:p>
-          <a:p>
-            <a:endParaRPr dirty="0"/>
-          </a:p>
-          <a:p>
-            <a:r>
-              <a:rPr b="1" dirty="0"/>
-              <a:t>actionButton</a:t>
-            </a:r>
-            <a:endParaRPr dirty="0"/>
-          </a:p>
-          <a:p>
-            <a:r>
-              <a:rPr b="0" dirty="0"/>
-              <a:t>No alt text provided</a:t>
-            </a:r>
-            <a:endParaRPr dirty="0"/>
-          </a:p>
-          <a:p>
-            <a:endParaRPr dirty="0"/>
-          </a:p>
-          <a:p>
-            <a:r>
-              <a:rPr b="1" dirty="0"/>
-              <a:t>Revenue_after_promo</a:t>
-            </a:r>
-            <a:endParaRPr dirty="0"/>
-          </a:p>
-          <a:p>
-            <a:r>
-              <a:rPr b="0" dirty="0"/>
-              <a:t>No alt text provided</a:t>
-            </a:r>
-            <a:endParaRPr dirty="0"/>
-          </a:p>
-          <a:p>
-            <a:endParaRPr dirty="0"/>
-          </a:p>
-          <a:p>
-            <a:r>
-              <a:rPr b="1" dirty="0"/>
-              <a:t>Revenue_before_promo</a:t>
-            </a:r>
-            <a:endParaRPr dirty="0"/>
-          </a:p>
-          <a:p>
-            <a:r>
-              <a:rPr b="0" dirty="0"/>
-              <a:t>No alt text provided</a:t>
-            </a:r>
-            <a:endParaRPr dirty="0"/>
-          </a:p>
-          <a:p>
-            <a:endParaRPr dirty="0"/>
-          </a:p>
-          <a:p>
-            <a:r>
-              <a:rPr b="1" dirty="0"/>
-              <a:t>actionButton</a:t>
-            </a:r>
-            <a:endParaRPr dirty="0"/>
-          </a:p>
-          <a:p>
-            <a:r>
-              <a:rPr b="0" dirty="0"/>
-              <a:t>No alt text provided</a:t>
-            </a:r>
-            <a:endParaRPr dirty="0"/>
-          </a:p>
-          <a:p>
-            <a:endParaRPr dirty="0"/>
-          </a:p>
-          <a:p>
-            <a:r>
-              <a:rPr b="1" dirty="0"/>
-              <a:t>actionButton</a:t>
-            </a:r>
-            <a:endParaRPr dirty="0"/>
-          </a:p>
-          <a:p>
-            <a:r>
-              <a:rPr b="0" dirty="0"/>
-              <a:t>No alt text provided</a:t>
-            </a:r>
-            <a:endParaRPr dirty="0"/>
-          </a:p>
-          <a:p>
-            <a:endParaRPr dirty="0"/>
-          </a:p>
-          <a:p>
-            <a:r>
-              <a:rPr b="1" dirty="0"/>
-              <a:t>City</a:t>
-            </a:r>
-            <a:endParaRPr dirty="0"/>
-          </a:p>
-          <a:p>
-            <a:r>
-              <a:rPr b="0" dirty="0"/>
-              <a:t>No alt text provided</a:t>
-            </a:r>
-            <a:endParaRPr dirty="0"/>
-          </a:p>
-          <a:p>
-            <a:endParaRPr dirty="0"/>
-          </a:p>
-        </p:txBody>
-      </p:sp>
-    </p:spTree>
-  </p:cSld>
-  <p:clrMapOvr>
-    <a:masterClrMapping/>
-  </p:clrMapOvr>
-</p:notes>
-</file>
-
-<file path=ppt/notesSlides/notesSlide7.xml><?xml version="1.0" encoding="utf-8"?>
 <p:notes xmlns:a="http://schemas.openxmlformats.org/drawingml/2006/main" xmlns:r="http://schemas.openxmlformats.org/officeDocument/2006/relationships" xmlns:p="http://schemas.openxmlformats.org/presentationml/2006/main">
   <p:cSld>
     <p:spTree>
@@ -2438,7 +2328,7 @@
           <a:p>
             <a:fld id="{487135A7-9A0F-4274-9280-F53F46FCEB30}" type="datetimeFigureOut">
               <a:rPr lang="en-IN" smtClean="0"/>
-              <a:t>20-02-2024</a:t>
+              <a:t>25-02-2024</a:t>
             </a:fld>
             <a:endParaRPr lang="en-IN"/>
           </a:p>
@@ -2638,7 +2528,7 @@
           <a:p>
             <a:fld id="{487135A7-9A0F-4274-9280-F53F46FCEB30}" type="datetimeFigureOut">
               <a:rPr lang="en-IN" smtClean="0"/>
-              <a:t>20-02-2024</a:t>
+              <a:t>25-02-2024</a:t>
             </a:fld>
             <a:endParaRPr lang="en-IN"/>
           </a:p>
@@ -2848,7 +2738,7 @@
           <a:p>
             <a:fld id="{487135A7-9A0F-4274-9280-F53F46FCEB30}" type="datetimeFigureOut">
               <a:rPr lang="en-IN" smtClean="0"/>
-              <a:t>20-02-2024</a:t>
+              <a:t>25-02-2024</a:t>
             </a:fld>
             <a:endParaRPr lang="en-IN"/>
           </a:p>
@@ -3050,7 +2940,7 @@
           <a:p>
             <a:fld id="{627ED9C8-F09A-4D9E-BEC0-4725162E21FF}" type="datetimeFigureOut">
               <a:rPr lang="en-US" smtClean="0"/>
-              <a:t>2/21/2024</a:t>
+              <a:t>2/25/2024</a:t>
             </a:fld>
             <a:endParaRPr lang="en-US"/>
           </a:p>
@@ -3218,7 +3108,7 @@
           <a:p>
             <a:fld id="{627ED9C8-F09A-4D9E-BEC0-4725162E21FF}" type="datetimeFigureOut">
               <a:rPr lang="en-US" smtClean="0"/>
-              <a:t>2/21/2024</a:t>
+              <a:t>2/25/2024</a:t>
             </a:fld>
             <a:endParaRPr lang="en-US"/>
           </a:p>
@@ -3463,7 +3353,7 @@
           <a:p>
             <a:fld id="{627ED9C8-F09A-4D9E-BEC0-4725162E21FF}" type="datetimeFigureOut">
               <a:rPr lang="en-US" smtClean="0"/>
-              <a:t>2/21/2024</a:t>
+              <a:t>2/25/2024</a:t>
             </a:fld>
             <a:endParaRPr lang="en-US"/>
           </a:p>
@@ -3692,7 +3582,7 @@
           <a:p>
             <a:fld id="{627ED9C8-F09A-4D9E-BEC0-4725162E21FF}" type="datetimeFigureOut">
               <a:rPr lang="en-US" smtClean="0"/>
-              <a:t>2/21/2024</a:t>
+              <a:t>2/25/2024</a:t>
             </a:fld>
             <a:endParaRPr lang="en-US"/>
           </a:p>
@@ -4056,7 +3946,7 @@
           <a:p>
             <a:fld id="{627ED9C8-F09A-4D9E-BEC0-4725162E21FF}" type="datetimeFigureOut">
               <a:rPr lang="en-US" smtClean="0"/>
-              <a:t>2/21/2024</a:t>
+              <a:t>2/25/2024</a:t>
             </a:fld>
             <a:endParaRPr lang="en-US"/>
           </a:p>
@@ -4173,7 +4063,7 @@
           <a:p>
             <a:fld id="{627ED9C8-F09A-4D9E-BEC0-4725162E21FF}" type="datetimeFigureOut">
               <a:rPr lang="en-US" smtClean="0"/>
-              <a:t>2/21/2024</a:t>
+              <a:t>2/25/2024</a:t>
             </a:fld>
             <a:endParaRPr lang="en-US"/>
           </a:p>
@@ -4268,7 +4158,7 @@
           <a:p>
             <a:fld id="{627ED9C8-F09A-4D9E-BEC0-4725162E21FF}" type="datetimeFigureOut">
               <a:rPr lang="en-US" smtClean="0"/>
-              <a:t>2/21/2024</a:t>
+              <a:t>2/25/2024</a:t>
             </a:fld>
             <a:endParaRPr lang="en-US"/>
           </a:p>
@@ -4543,7 +4433,7 @@
           <a:p>
             <a:fld id="{627ED9C8-F09A-4D9E-BEC0-4725162E21FF}" type="datetimeFigureOut">
               <a:rPr lang="en-US" smtClean="0"/>
-              <a:t>2/21/2024</a:t>
+              <a:t>2/25/2024</a:t>
             </a:fld>
             <a:endParaRPr lang="en-US"/>
           </a:p>
@@ -4731,7 +4621,7 @@
           <a:p>
             <a:fld id="{487135A7-9A0F-4274-9280-F53F46FCEB30}" type="datetimeFigureOut">
               <a:rPr lang="en-IN" smtClean="0"/>
-              <a:t>20-02-2024</a:t>
+              <a:t>25-02-2024</a:t>
             </a:fld>
             <a:endParaRPr lang="en-IN"/>
           </a:p>
@@ -4995,7 +4885,7 @@
           <a:p>
             <a:fld id="{627ED9C8-F09A-4D9E-BEC0-4725162E21FF}" type="datetimeFigureOut">
               <a:rPr lang="en-US" smtClean="0"/>
-              <a:t>2/21/2024</a:t>
+              <a:t>2/25/2024</a:t>
             </a:fld>
             <a:endParaRPr lang="en-US"/>
           </a:p>
@@ -5163,7 +5053,7 @@
           <a:p>
             <a:fld id="{627ED9C8-F09A-4D9E-BEC0-4725162E21FF}" type="datetimeFigureOut">
               <a:rPr lang="en-US" smtClean="0"/>
-              <a:t>2/21/2024</a:t>
+              <a:t>2/25/2024</a:t>
             </a:fld>
             <a:endParaRPr lang="en-US"/>
           </a:p>
@@ -5341,7 +5231,7 @@
           <a:p>
             <a:fld id="{627ED9C8-F09A-4D9E-BEC0-4725162E21FF}" type="datetimeFigureOut">
               <a:rPr lang="en-US" smtClean="0"/>
-              <a:t>2/21/2024</a:t>
+              <a:t>2/25/2024</a:t>
             </a:fld>
             <a:endParaRPr lang="en-US"/>
           </a:p>
@@ -5605,7 +5495,7 @@
           <a:p>
             <a:fld id="{487135A7-9A0F-4274-9280-F53F46FCEB30}" type="datetimeFigureOut">
               <a:rPr lang="en-IN" smtClean="0"/>
-              <a:t>20-02-2024</a:t>
+              <a:t>25-02-2024</a:t>
             </a:fld>
             <a:endParaRPr lang="en-IN"/>
           </a:p>
@@ -5873,7 +5763,7 @@
           <a:p>
             <a:fld id="{487135A7-9A0F-4274-9280-F53F46FCEB30}" type="datetimeFigureOut">
               <a:rPr lang="en-IN" smtClean="0"/>
-              <a:t>20-02-2024</a:t>
+              <a:t>25-02-2024</a:t>
             </a:fld>
             <a:endParaRPr lang="en-IN"/>
           </a:p>
@@ -6288,7 +6178,7 @@
           <a:p>
             <a:fld id="{487135A7-9A0F-4274-9280-F53F46FCEB30}" type="datetimeFigureOut">
               <a:rPr lang="en-IN" smtClean="0"/>
-              <a:t>20-02-2024</a:t>
+              <a:t>25-02-2024</a:t>
             </a:fld>
             <a:endParaRPr lang="en-IN"/>
           </a:p>
@@ -6430,7 +6320,7 @@
           <a:p>
             <a:fld id="{487135A7-9A0F-4274-9280-F53F46FCEB30}" type="datetimeFigureOut">
               <a:rPr lang="en-IN" smtClean="0"/>
-              <a:t>20-02-2024</a:t>
+              <a:t>25-02-2024</a:t>
             </a:fld>
             <a:endParaRPr lang="en-IN"/>
           </a:p>
@@ -6543,7 +6433,7 @@
           <a:p>
             <a:fld id="{487135A7-9A0F-4274-9280-F53F46FCEB30}" type="datetimeFigureOut">
               <a:rPr lang="en-IN" smtClean="0"/>
-              <a:t>20-02-2024</a:t>
+              <a:t>25-02-2024</a:t>
             </a:fld>
             <a:endParaRPr lang="en-IN"/>
           </a:p>
@@ -6856,7 +6746,7 @@
           <a:p>
             <a:fld id="{487135A7-9A0F-4274-9280-F53F46FCEB30}" type="datetimeFigureOut">
               <a:rPr lang="en-IN" smtClean="0"/>
-              <a:t>20-02-2024</a:t>
+              <a:t>25-02-2024</a:t>
             </a:fld>
             <a:endParaRPr lang="en-IN"/>
           </a:p>
@@ -7145,7 +7035,7 @@
           <a:p>
             <a:fld id="{487135A7-9A0F-4274-9280-F53F46FCEB30}" type="datetimeFigureOut">
               <a:rPr lang="en-IN" smtClean="0"/>
-              <a:t>20-02-2024</a:t>
+              <a:t>25-02-2024</a:t>
             </a:fld>
             <a:endParaRPr lang="en-IN"/>
           </a:p>
@@ -7388,7 +7278,7 @@
           <a:p>
             <a:fld id="{487135A7-9A0F-4274-9280-F53F46FCEB30}" type="datetimeFigureOut">
               <a:rPr lang="en-IN" smtClean="0"/>
-              <a:t>20-02-2024</a:t>
+              <a:t>25-02-2024</a:t>
             </a:fld>
             <a:endParaRPr lang="en-IN"/>
           </a:p>
@@ -7938,7 +7828,7 @@
           <a:p>
             <a:fld id="{627ED9C8-F09A-4D9E-BEC0-4725162E21FF}" type="datetimeFigureOut">
               <a:rPr lang="en-US" smtClean="0"/>
-              <a:t>2/21/2024</a:t>
+              <a:t>2/25/2024</a:t>
             </a:fld>
             <a:endParaRPr lang="en-US"/>
           </a:p>
@@ -8685,79 +8575,6 @@
       </p:grpSpPr>
       <p:pic>
         <p:nvPicPr>
-          <p:cNvPr id="3" name="Picture" title="This slide contains the following visuals: shape ,tableEx ,tableEx ,textbox ,textbox ,Incremental_Sold_Unit by promo_type ,shape ,Incremental_Revenue by promo_type ,shape ,shape ,textbox ,pageNavigator ,image ,image. Please refer to the notes on this slide for details">
-            <a:hlinkClick r:id="rId3"/>
-          </p:cNvPr>
-          <p:cNvPicPr>
-            <a:picLocks noChangeAspect="1"/>
-          </p:cNvPicPr>
-          <p:nvPr/>
-        </p:nvPicPr>
-        <p:blipFill>
-          <a:blip r:embed="rId4"/>
-          <a:stretch>
-            <a:fillRect/>
-          </a:stretch>
-        </p:blipFill>
-        <p:spPr>
-          <a:xfrm>
-            <a:off x="76200" y="0"/>
-            <a:ext cx="12020550" cy="6858000"/>
-          </a:xfrm>
-          <a:prstGeom prst="rect">
-            <a:avLst/>
-          </a:prstGeom>
-          <a:noFill/>
-        </p:spPr>
-      </p:pic>
-      <p:sp>
-        <p:nvSpPr>
-          <p:cNvPr id="4" name="Title" hidden="1"/>
-          <p:cNvSpPr>
-            <a:spLocks noGrp="1"/>
-          </p:cNvSpPr>
-          <p:nvPr>
-            <p:ph type="title"/>
-          </p:nvPr>
-        </p:nvSpPr>
-        <p:spPr/>
-        <p:txBody>
-          <a:bodyPr/>
-          <a:lstStyle/>
-          <a:p>
-            <a:r>
-              <a:t>Promotion_Type</a:t>
-            </a:r>
-          </a:p>
-        </p:txBody>
-      </p:sp>
-    </p:spTree>
-  </p:cSld>
-  <p:clrMapOvr>
-    <a:masterClrMapping/>
-  </p:clrMapOvr>
-</p:sld>
-</file>
-
-<file path=ppt/slides/slide11.xml><?xml version="1.0" encoding="utf-8"?>
-<p:sld xmlns:a="http://schemas.openxmlformats.org/drawingml/2006/main" xmlns:r="http://schemas.openxmlformats.org/officeDocument/2006/relationships" xmlns:p="http://schemas.openxmlformats.org/presentationml/2006/main">
-  <p:cSld>
-    <p:spTree>
-      <p:nvGrpSpPr>
-        <p:cNvPr id="1" name=""/>
-        <p:cNvGrpSpPr/>
-        <p:nvPr/>
-      </p:nvGrpSpPr>
-      <p:grpSpPr>
-        <a:xfrm>
-          <a:off x="0" y="0"/>
-          <a:ext cx="0" cy="0"/>
-          <a:chOff x="0" y="0"/>
-          <a:chExt cx="0" cy="0"/>
-        </a:xfrm>
-      </p:grpSpPr>
-      <p:pic>
-        <p:nvPicPr>
           <p:cNvPr id="3" name="Picture" title="This slide contains the following visuals: Category ,Products ,shape ,Revenue after promo ,Revenue before promo ,shape ,textbox ,pageNavigator ,image ,image. Please refer to the notes on this slide for details">
             <a:hlinkClick r:id="rId3"/>
           </p:cNvPr>
@@ -8812,7 +8629,7 @@
 </p:sld>
 </file>
 
-<file path=ppt/slides/slide12.xml><?xml version="1.0" encoding="utf-8"?>
+<file path=ppt/slides/slide11.xml><?xml version="1.0" encoding="utf-8"?>
 <p:sld xmlns:a="http://schemas.openxmlformats.org/drawingml/2006/main" xmlns:r="http://schemas.openxmlformats.org/officeDocument/2006/relationships" xmlns:p="http://schemas.openxmlformats.org/presentationml/2006/main">
   <p:cSld>
     <p:spTree>
@@ -8885,7 +8702,7 @@
 </p:sld>
 </file>
 
-<file path=ppt/slides/slide13.xml><?xml version="1.0" encoding="utf-8"?>
+<file path=ppt/slides/slide12.xml><?xml version="1.0" encoding="utf-8"?>
 <p:sld xmlns:a="http://schemas.openxmlformats.org/drawingml/2006/main" xmlns:r="http://schemas.openxmlformats.org/officeDocument/2006/relationships" xmlns:p="http://schemas.openxmlformats.org/presentationml/2006/main">
   <p:cSld>
     <p:spTree>
@@ -8958,7 +8775,7 @@
 </p:sld>
 </file>
 
-<file path=ppt/slides/slide14.xml><?xml version="1.0" encoding="utf-8"?>
+<file path=ppt/slides/slide13.xml><?xml version="1.0" encoding="utf-8"?>
 <p:sld xmlns:a="http://schemas.openxmlformats.org/drawingml/2006/main" xmlns:r="http://schemas.openxmlformats.org/officeDocument/2006/relationships" xmlns:p="http://schemas.openxmlformats.org/presentationml/2006/main">
   <p:cSld>
     <p:bg>
@@ -9171,7 +8988,7 @@
 </p:sld>
 </file>
 
-<file path=ppt/slides/slide15.xml><?xml version="1.0" encoding="utf-8"?>
+<file path=ppt/slides/slide14.xml><?xml version="1.0" encoding="utf-8"?>
 <p:sld xmlns:a="http://schemas.openxmlformats.org/drawingml/2006/main" xmlns:r="http://schemas.openxmlformats.org/officeDocument/2006/relationships" xmlns:p="http://schemas.openxmlformats.org/presentationml/2006/main">
   <p:cSld>
     <p:bg>
@@ -9411,7 +9228,7 @@
 </p:sld>
 </file>
 
-<file path=ppt/slides/slide16.xml><?xml version="1.0" encoding="utf-8"?>
+<file path=ppt/slides/slide15.xml><?xml version="1.0" encoding="utf-8"?>
 <p:sld xmlns:a="http://schemas.openxmlformats.org/drawingml/2006/main" xmlns:r="http://schemas.openxmlformats.org/officeDocument/2006/relationships" xmlns:p="http://schemas.openxmlformats.org/presentationml/2006/main">
   <p:cSld>
     <p:bg>
@@ -9657,7 +9474,7 @@
 </p:sld>
 </file>
 
-<file path=ppt/slides/slide17.xml><?xml version="1.0" encoding="utf-8"?>
+<file path=ppt/slides/slide16.xml><?xml version="1.0" encoding="utf-8"?>
 <p:sld xmlns:a="http://schemas.openxmlformats.org/drawingml/2006/main" xmlns:r="http://schemas.openxmlformats.org/officeDocument/2006/relationships" xmlns:p="http://schemas.openxmlformats.org/presentationml/2006/main">
   <p:cSld>
     <p:bg>
@@ -9942,7 +9759,7 @@
 </p:sld>
 </file>
 
-<file path=ppt/slides/slide18.xml><?xml version="1.0" encoding="utf-8"?>
+<file path=ppt/slides/slide17.xml><?xml version="1.0" encoding="utf-8"?>
 <p:sld xmlns:a="http://schemas.openxmlformats.org/drawingml/2006/main" xmlns:r="http://schemas.openxmlformats.org/officeDocument/2006/relationships" xmlns:p="http://schemas.openxmlformats.org/presentationml/2006/main">
   <p:cSld>
     <p:bg>
@@ -10176,7 +9993,7 @@
 </p:sld>
 </file>
 
-<file path=ppt/slides/slide19.xml><?xml version="1.0" encoding="utf-8"?>
+<file path=ppt/slides/slide18.xml><?xml version="1.0" encoding="utf-8"?>
 <p:sld xmlns:a="http://schemas.openxmlformats.org/drawingml/2006/main" xmlns:r="http://schemas.openxmlformats.org/officeDocument/2006/relationships" xmlns:p="http://schemas.openxmlformats.org/presentationml/2006/main">
   <p:cSld>
     <p:bg>
@@ -10428,6 +10245,332 @@
     <p:extLst>
       <p:ext uri="{BB962C8B-B14F-4D97-AF65-F5344CB8AC3E}">
         <p14:creationId xmlns:p14="http://schemas.microsoft.com/office/powerpoint/2010/main" val="621578879"/>
+      </p:ext>
+    </p:extLst>
+  </p:cSld>
+  <p:clrMapOvr>
+    <a:masterClrMapping/>
+  </p:clrMapOvr>
+</p:sld>
+</file>
+
+<file path=ppt/slides/slide19.xml><?xml version="1.0" encoding="utf-8"?>
+<p:sld xmlns:a="http://schemas.openxmlformats.org/drawingml/2006/main" xmlns:r="http://schemas.openxmlformats.org/officeDocument/2006/relationships" xmlns:p="http://schemas.openxmlformats.org/presentationml/2006/main">
+  <p:cSld>
+    <p:bg>
+      <p:bgPr>
+        <a:blipFill dpi="0" rotWithShape="1">
+          <a:blip r:embed="rId2">
+            <a:lum/>
+          </a:blip>
+          <a:srcRect/>
+          <a:stretch>
+            <a:fillRect/>
+          </a:stretch>
+        </a:blipFill>
+        <a:effectLst/>
+      </p:bgPr>
+    </p:bg>
+    <p:spTree>
+      <p:nvGrpSpPr>
+        <p:cNvPr id="1" name="">
+          <a:extLst>
+            <a:ext uri="{FF2B5EF4-FFF2-40B4-BE49-F238E27FC236}">
+              <a16:creationId xmlns:a16="http://schemas.microsoft.com/office/drawing/2014/main" id="{B29BC626-4E04-D3DF-1E2A-65A25B762D56}"/>
+            </a:ext>
+          </a:extLst>
+        </p:cNvPr>
+        <p:cNvGrpSpPr/>
+        <p:nvPr/>
+      </p:nvGrpSpPr>
+      <p:grpSpPr>
+        <a:xfrm>
+          <a:off x="0" y="0"/>
+          <a:ext cx="0" cy="0"/>
+          <a:chOff x="0" y="0"/>
+          <a:chExt cx="0" cy="0"/>
+        </a:xfrm>
+      </p:grpSpPr>
+      <p:pic>
+        <p:nvPicPr>
+          <p:cNvPr id="7" name="Picture 6">
+            <a:extLst>
+              <a:ext uri="{FF2B5EF4-FFF2-40B4-BE49-F238E27FC236}">
+                <a16:creationId xmlns:a16="http://schemas.microsoft.com/office/drawing/2014/main" id="{19CBBE73-1837-E197-6946-E242CB18E967}"/>
+              </a:ext>
+            </a:extLst>
+          </p:cNvPr>
+          <p:cNvPicPr>
+            <a:picLocks noChangeAspect="1"/>
+          </p:cNvPicPr>
+          <p:nvPr/>
+        </p:nvPicPr>
+        <p:blipFill>
+          <a:blip r:embed="rId3"/>
+          <a:stretch>
+            <a:fillRect/>
+          </a:stretch>
+        </p:blipFill>
+        <p:spPr>
+          <a:xfrm>
+            <a:off x="4145959" y="2792323"/>
+            <a:ext cx="4061812" cy="3795089"/>
+          </a:xfrm>
+          <a:prstGeom prst="rect">
+            <a:avLst/>
+          </a:prstGeom>
+        </p:spPr>
+      </p:pic>
+      <p:sp>
+        <p:nvSpPr>
+          <p:cNvPr id="8" name="Title 1">
+            <a:extLst>
+              <a:ext uri="{FF2B5EF4-FFF2-40B4-BE49-F238E27FC236}">
+                <a16:creationId xmlns:a16="http://schemas.microsoft.com/office/drawing/2014/main" id="{6F174878-9F93-80C8-4166-442C9E779596}"/>
+              </a:ext>
+            </a:extLst>
+          </p:cNvPr>
+          <p:cNvSpPr txBox="1">
+            <a:spLocks/>
+          </p:cNvSpPr>
+          <p:nvPr/>
+        </p:nvSpPr>
+        <p:spPr>
+          <a:xfrm>
+            <a:off x="1880118" y="270588"/>
+            <a:ext cx="8431763" cy="578498"/>
+          </a:xfrm>
+          <a:prstGeom prst="rect">
+            <a:avLst/>
+          </a:prstGeom>
+        </p:spPr>
+        <p:txBody>
+          <a:bodyPr vert="horz" lIns="91440" tIns="45720" rIns="91440" bIns="45720" rtlCol="0" anchor="ctr">
+            <a:normAutofit fontScale="90000" lnSpcReduction="10000"/>
+          </a:bodyPr>
+          <a:lstStyle>
+            <a:lvl1pPr algn="l" defTabSz="914400" rtl="0" eaLnBrk="1" latinLnBrk="0" hangingPunct="1">
+              <a:lnSpc>
+                <a:spcPct val="90000"/>
+              </a:lnSpc>
+              <a:spcBef>
+                <a:spcPct val="0"/>
+              </a:spcBef>
+              <a:buNone/>
+              <a:defRPr sz="4400" kern="1200">
+                <a:solidFill>
+                  <a:schemeClr val="tx1"/>
+                </a:solidFill>
+                <a:latin typeface="+mj-lt"/>
+                <a:ea typeface="+mj-ea"/>
+                <a:cs typeface="+mj-cs"/>
+              </a:defRPr>
+            </a:lvl1pPr>
+          </a:lstStyle>
+          <a:p>
+            <a:pPr marL="0" marR="0" lvl="0" indent="0" algn="ctr" defTabSz="914400" rtl="0" eaLnBrk="1" fontAlgn="auto" latinLnBrk="0" hangingPunct="1">
+              <a:lnSpc>
+                <a:spcPct val="90000"/>
+              </a:lnSpc>
+              <a:spcBef>
+                <a:spcPct val="0"/>
+              </a:spcBef>
+              <a:spcAft>
+                <a:spcPts val="0"/>
+              </a:spcAft>
+              <a:buClrTx/>
+              <a:buSzTx/>
+              <a:buFontTx/>
+              <a:buNone/>
+              <a:tabLst/>
+              <a:defRPr/>
+            </a:pPr>
+            <a:r>
+              <a:rPr kumimoji="0" lang="en-US" sz="4000" b="0" i="0" u="none" strike="noStrike" kern="1200" cap="none" spc="0" normalizeH="0" baseline="0" noProof="0" dirty="0">
+                <a:ln>
+                  <a:noFill/>
+                </a:ln>
+                <a:solidFill>
+                  <a:prstClr val="white"/>
+                </a:solidFill>
+                <a:effectLst/>
+                <a:uLnTx/>
+                <a:uFillTx/>
+                <a:latin typeface="Manrope"/>
+                <a:ea typeface="+mj-ea"/>
+                <a:cs typeface="+mj-cs"/>
+              </a:rPr>
+              <a:t> Price Insights</a:t>
+            </a:r>
+            <a:endParaRPr kumimoji="0" lang="en-IN" sz="4000" b="0" i="0" u="none" strike="noStrike" kern="1200" cap="none" spc="0" normalizeH="0" baseline="0" noProof="0" dirty="0">
+              <a:ln>
+                <a:noFill/>
+              </a:ln>
+              <a:solidFill>
+                <a:prstClr val="white"/>
+              </a:solidFill>
+              <a:effectLst/>
+              <a:uLnTx/>
+              <a:uFillTx/>
+              <a:latin typeface="Calibri Light" panose="020F0302020204030204"/>
+              <a:ea typeface="+mj-ea"/>
+              <a:cs typeface="+mj-cs"/>
+            </a:endParaRPr>
+          </a:p>
+        </p:txBody>
+      </p:sp>
+      <p:sp>
+        <p:nvSpPr>
+          <p:cNvPr id="9" name="TextBox 8">
+            <a:extLst>
+              <a:ext uri="{FF2B5EF4-FFF2-40B4-BE49-F238E27FC236}">
+                <a16:creationId xmlns:a16="http://schemas.microsoft.com/office/drawing/2014/main" id="{6B075313-9568-AB13-2C04-26F0DB251D2C}"/>
+              </a:ext>
+            </a:extLst>
+          </p:cNvPr>
+          <p:cNvSpPr txBox="1"/>
+          <p:nvPr/>
+        </p:nvSpPr>
+        <p:spPr>
+          <a:xfrm>
+            <a:off x="1707500" y="1223546"/>
+            <a:ext cx="9479903" cy="1200329"/>
+          </a:xfrm>
+          <a:prstGeom prst="rect">
+            <a:avLst/>
+          </a:prstGeom>
+          <a:noFill/>
+        </p:spPr>
+        <p:txBody>
+          <a:bodyPr wrap="square" rtlCol="0">
+            <a:spAutoFit/>
+          </a:bodyPr>
+          <a:lstStyle/>
+          <a:p>
+            <a:pPr marL="285750" marR="0" lvl="0" indent="-285750" algn="l" defTabSz="914400" rtl="0" eaLnBrk="1" fontAlgn="auto" latinLnBrk="0" hangingPunct="1">
+              <a:lnSpc>
+                <a:spcPct val="100000"/>
+              </a:lnSpc>
+              <a:spcBef>
+                <a:spcPts val="0"/>
+              </a:spcBef>
+              <a:spcAft>
+                <a:spcPts val="0"/>
+              </a:spcAft>
+              <a:buClrTx/>
+              <a:buSzTx/>
+              <a:buFont typeface="Wingdings" panose="05000000000000000000" pitchFamily="2" charset="2"/>
+              <a:buChar char="Ø"/>
+              <a:tabLst/>
+              <a:defRPr/>
+            </a:pPr>
+            <a:r>
+              <a:rPr kumimoji="0" lang="en-US" sz="1800" b="0" i="0" u="none" strike="noStrike" kern="1200" cap="none" spc="0" normalizeH="0" baseline="0" noProof="0" dirty="0">
+                <a:ln>
+                  <a:noFill/>
+                </a:ln>
+                <a:solidFill>
+                  <a:prstClr val="white"/>
+                </a:solidFill>
+                <a:effectLst/>
+                <a:uLnTx/>
+                <a:uFillTx/>
+                <a:latin typeface="Söhne"/>
+                <a:ea typeface="+mn-ea"/>
+                <a:cs typeface="+mn-cs"/>
+              </a:rPr>
+              <a:t>Atliq_Home_Essential_8_Product_Combo, with the highest price, contributes the most to revenue.</a:t>
+            </a:r>
+          </a:p>
+          <a:p>
+            <a:pPr marL="0" marR="0" lvl="0" indent="0" algn="l" defTabSz="914400" rtl="0" eaLnBrk="1" fontAlgn="auto" latinLnBrk="0" hangingPunct="1">
+              <a:lnSpc>
+                <a:spcPct val="100000"/>
+              </a:lnSpc>
+              <a:spcBef>
+                <a:spcPts val="0"/>
+              </a:spcBef>
+              <a:spcAft>
+                <a:spcPts val="0"/>
+              </a:spcAft>
+              <a:buClrTx/>
+              <a:buSzTx/>
+              <a:buFontTx/>
+              <a:buNone/>
+              <a:tabLst/>
+              <a:defRPr/>
+            </a:pPr>
+            <a:endParaRPr kumimoji="0" lang="en-US" sz="1800" b="0" i="0" u="none" strike="noStrike" kern="1200" cap="none" spc="0" normalizeH="0" baseline="0" noProof="0" dirty="0">
+              <a:ln>
+                <a:noFill/>
+              </a:ln>
+              <a:solidFill>
+                <a:prstClr val="white"/>
+              </a:solidFill>
+              <a:effectLst/>
+              <a:uLnTx/>
+              <a:uFillTx/>
+              <a:latin typeface="Calibri" panose="020F0502020204030204"/>
+              <a:ea typeface="+mn-ea"/>
+              <a:cs typeface="+mn-cs"/>
+            </a:endParaRPr>
+          </a:p>
+          <a:p>
+            <a:pPr marL="285750" marR="0" lvl="0" indent="-285750" algn="l" defTabSz="914400" rtl="0" eaLnBrk="1" fontAlgn="auto" latinLnBrk="0" hangingPunct="1">
+              <a:lnSpc>
+                <a:spcPct val="100000"/>
+              </a:lnSpc>
+              <a:spcBef>
+                <a:spcPts val="0"/>
+              </a:spcBef>
+              <a:spcAft>
+                <a:spcPts val="0"/>
+              </a:spcAft>
+              <a:buClrTx/>
+              <a:buSzTx/>
+              <a:buFont typeface="Wingdings" panose="05000000000000000000" pitchFamily="2" charset="2"/>
+              <a:buChar char="Ø"/>
+              <a:tabLst/>
+              <a:defRPr/>
+            </a:pPr>
+            <a:r>
+              <a:rPr kumimoji="0" lang="en-US" sz="1800" b="0" i="0" u="none" strike="noStrike" kern="1200" cap="none" spc="0" normalizeH="0" baseline="0" noProof="0" dirty="0">
+                <a:ln>
+                  <a:noFill/>
+                </a:ln>
+                <a:solidFill>
+                  <a:prstClr val="white"/>
+                </a:solidFill>
+                <a:effectLst/>
+                <a:uLnTx/>
+                <a:uFillTx/>
+                <a:latin typeface="Söhne"/>
+                <a:ea typeface="+mn-ea"/>
+                <a:cs typeface="+mn-cs"/>
+              </a:rPr>
+              <a:t>The 50% discount on Personal Care Products has a negative impact on revenue after promotions.</a:t>
+            </a:r>
+            <a:endParaRPr kumimoji="0" lang="en-IN" sz="1800" b="0" i="0" u="none" strike="noStrike" kern="1200" cap="none" spc="0" normalizeH="0" baseline="0" noProof="0" dirty="0">
+              <a:ln>
+                <a:noFill/>
+              </a:ln>
+              <a:solidFill>
+                <a:prstClr val="white"/>
+              </a:solidFill>
+              <a:effectLst/>
+              <a:uLnTx/>
+              <a:uFillTx/>
+              <a:latin typeface="Calibri" panose="020F0502020204030204"/>
+              <a:ea typeface="+mn-ea"/>
+              <a:cs typeface="+mn-cs"/>
+            </a:endParaRPr>
+          </a:p>
+        </p:txBody>
+      </p:sp>
+    </p:spTree>
+    <p:extLst>
+      <p:ext uri="{BB962C8B-B14F-4D97-AF65-F5344CB8AC3E}">
+        <p14:creationId xmlns:p14="http://schemas.microsoft.com/office/powerpoint/2010/main" val="246078838"/>
       </p:ext>
     </p:extLst>
   </p:cSld>
@@ -11451,332 +11594,6 @@
         <p:cNvPr id="1" name="">
           <a:extLst>
             <a:ext uri="{FF2B5EF4-FFF2-40B4-BE49-F238E27FC236}">
-              <a16:creationId xmlns:a16="http://schemas.microsoft.com/office/drawing/2014/main" id="{B29BC626-4E04-D3DF-1E2A-65A25B762D56}"/>
-            </a:ext>
-          </a:extLst>
-        </p:cNvPr>
-        <p:cNvGrpSpPr/>
-        <p:nvPr/>
-      </p:nvGrpSpPr>
-      <p:grpSpPr>
-        <a:xfrm>
-          <a:off x="0" y="0"/>
-          <a:ext cx="0" cy="0"/>
-          <a:chOff x="0" y="0"/>
-          <a:chExt cx="0" cy="0"/>
-        </a:xfrm>
-      </p:grpSpPr>
-      <p:pic>
-        <p:nvPicPr>
-          <p:cNvPr id="7" name="Picture 6">
-            <a:extLst>
-              <a:ext uri="{FF2B5EF4-FFF2-40B4-BE49-F238E27FC236}">
-                <a16:creationId xmlns:a16="http://schemas.microsoft.com/office/drawing/2014/main" id="{19CBBE73-1837-E197-6946-E242CB18E967}"/>
-              </a:ext>
-            </a:extLst>
-          </p:cNvPr>
-          <p:cNvPicPr>
-            <a:picLocks noChangeAspect="1"/>
-          </p:cNvPicPr>
-          <p:nvPr/>
-        </p:nvPicPr>
-        <p:blipFill>
-          <a:blip r:embed="rId3"/>
-          <a:stretch>
-            <a:fillRect/>
-          </a:stretch>
-        </p:blipFill>
-        <p:spPr>
-          <a:xfrm>
-            <a:off x="4145959" y="2792323"/>
-            <a:ext cx="4061812" cy="3795089"/>
-          </a:xfrm>
-          <a:prstGeom prst="rect">
-            <a:avLst/>
-          </a:prstGeom>
-        </p:spPr>
-      </p:pic>
-      <p:sp>
-        <p:nvSpPr>
-          <p:cNvPr id="8" name="Title 1">
-            <a:extLst>
-              <a:ext uri="{FF2B5EF4-FFF2-40B4-BE49-F238E27FC236}">
-                <a16:creationId xmlns:a16="http://schemas.microsoft.com/office/drawing/2014/main" id="{6F174878-9F93-80C8-4166-442C9E779596}"/>
-              </a:ext>
-            </a:extLst>
-          </p:cNvPr>
-          <p:cNvSpPr txBox="1">
-            <a:spLocks/>
-          </p:cNvSpPr>
-          <p:nvPr/>
-        </p:nvSpPr>
-        <p:spPr>
-          <a:xfrm>
-            <a:off x="1880118" y="270588"/>
-            <a:ext cx="8431763" cy="578498"/>
-          </a:xfrm>
-          <a:prstGeom prst="rect">
-            <a:avLst/>
-          </a:prstGeom>
-        </p:spPr>
-        <p:txBody>
-          <a:bodyPr vert="horz" lIns="91440" tIns="45720" rIns="91440" bIns="45720" rtlCol="0" anchor="ctr">
-            <a:normAutofit fontScale="90000" lnSpcReduction="10000"/>
-          </a:bodyPr>
-          <a:lstStyle>
-            <a:lvl1pPr algn="l" defTabSz="914400" rtl="0" eaLnBrk="1" latinLnBrk="0" hangingPunct="1">
-              <a:lnSpc>
-                <a:spcPct val="90000"/>
-              </a:lnSpc>
-              <a:spcBef>
-                <a:spcPct val="0"/>
-              </a:spcBef>
-              <a:buNone/>
-              <a:defRPr sz="4400" kern="1200">
-                <a:solidFill>
-                  <a:schemeClr val="tx1"/>
-                </a:solidFill>
-                <a:latin typeface="+mj-lt"/>
-                <a:ea typeface="+mj-ea"/>
-                <a:cs typeface="+mj-cs"/>
-              </a:defRPr>
-            </a:lvl1pPr>
-          </a:lstStyle>
-          <a:p>
-            <a:pPr marL="0" marR="0" lvl="0" indent="0" algn="ctr" defTabSz="914400" rtl="0" eaLnBrk="1" fontAlgn="auto" latinLnBrk="0" hangingPunct="1">
-              <a:lnSpc>
-                <a:spcPct val="90000"/>
-              </a:lnSpc>
-              <a:spcBef>
-                <a:spcPct val="0"/>
-              </a:spcBef>
-              <a:spcAft>
-                <a:spcPts val="0"/>
-              </a:spcAft>
-              <a:buClrTx/>
-              <a:buSzTx/>
-              <a:buFontTx/>
-              <a:buNone/>
-              <a:tabLst/>
-              <a:defRPr/>
-            </a:pPr>
-            <a:r>
-              <a:rPr kumimoji="0" lang="en-US" sz="4000" b="0" i="0" u="none" strike="noStrike" kern="1200" cap="none" spc="0" normalizeH="0" baseline="0" noProof="0" dirty="0">
-                <a:ln>
-                  <a:noFill/>
-                </a:ln>
-                <a:solidFill>
-                  <a:prstClr val="white"/>
-                </a:solidFill>
-                <a:effectLst/>
-                <a:uLnTx/>
-                <a:uFillTx/>
-                <a:latin typeface="Manrope"/>
-                <a:ea typeface="+mj-ea"/>
-                <a:cs typeface="+mj-cs"/>
-              </a:rPr>
-              <a:t> Price Insights</a:t>
-            </a:r>
-            <a:endParaRPr kumimoji="0" lang="en-IN" sz="4000" b="0" i="0" u="none" strike="noStrike" kern="1200" cap="none" spc="0" normalizeH="0" baseline="0" noProof="0" dirty="0">
-              <a:ln>
-                <a:noFill/>
-              </a:ln>
-              <a:solidFill>
-                <a:prstClr val="white"/>
-              </a:solidFill>
-              <a:effectLst/>
-              <a:uLnTx/>
-              <a:uFillTx/>
-              <a:latin typeface="Calibri Light" panose="020F0302020204030204"/>
-              <a:ea typeface="+mj-ea"/>
-              <a:cs typeface="+mj-cs"/>
-            </a:endParaRPr>
-          </a:p>
-        </p:txBody>
-      </p:sp>
-      <p:sp>
-        <p:nvSpPr>
-          <p:cNvPr id="9" name="TextBox 8">
-            <a:extLst>
-              <a:ext uri="{FF2B5EF4-FFF2-40B4-BE49-F238E27FC236}">
-                <a16:creationId xmlns:a16="http://schemas.microsoft.com/office/drawing/2014/main" id="{6B075313-9568-AB13-2C04-26F0DB251D2C}"/>
-              </a:ext>
-            </a:extLst>
-          </p:cNvPr>
-          <p:cNvSpPr txBox="1"/>
-          <p:nvPr/>
-        </p:nvSpPr>
-        <p:spPr>
-          <a:xfrm>
-            <a:off x="1707500" y="1223546"/>
-            <a:ext cx="9479903" cy="1200329"/>
-          </a:xfrm>
-          <a:prstGeom prst="rect">
-            <a:avLst/>
-          </a:prstGeom>
-          <a:noFill/>
-        </p:spPr>
-        <p:txBody>
-          <a:bodyPr wrap="square" rtlCol="0">
-            <a:spAutoFit/>
-          </a:bodyPr>
-          <a:lstStyle/>
-          <a:p>
-            <a:pPr marL="285750" marR="0" lvl="0" indent="-285750" algn="l" defTabSz="914400" rtl="0" eaLnBrk="1" fontAlgn="auto" latinLnBrk="0" hangingPunct="1">
-              <a:lnSpc>
-                <a:spcPct val="100000"/>
-              </a:lnSpc>
-              <a:spcBef>
-                <a:spcPts val="0"/>
-              </a:spcBef>
-              <a:spcAft>
-                <a:spcPts val="0"/>
-              </a:spcAft>
-              <a:buClrTx/>
-              <a:buSzTx/>
-              <a:buFont typeface="Wingdings" panose="05000000000000000000" pitchFamily="2" charset="2"/>
-              <a:buChar char="Ø"/>
-              <a:tabLst/>
-              <a:defRPr/>
-            </a:pPr>
-            <a:r>
-              <a:rPr kumimoji="0" lang="en-US" sz="1800" b="0" i="0" u="none" strike="noStrike" kern="1200" cap="none" spc="0" normalizeH="0" baseline="0" noProof="0" dirty="0">
-                <a:ln>
-                  <a:noFill/>
-                </a:ln>
-                <a:solidFill>
-                  <a:prstClr val="white"/>
-                </a:solidFill>
-                <a:effectLst/>
-                <a:uLnTx/>
-                <a:uFillTx/>
-                <a:latin typeface="Söhne"/>
-                <a:ea typeface="+mn-ea"/>
-                <a:cs typeface="+mn-cs"/>
-              </a:rPr>
-              <a:t>Atliq_Home_Essential_8_Product_Combo, with the highest price, contributes the most to revenue.</a:t>
-            </a:r>
-          </a:p>
-          <a:p>
-            <a:pPr marL="0" marR="0" lvl="0" indent="0" algn="l" defTabSz="914400" rtl="0" eaLnBrk="1" fontAlgn="auto" latinLnBrk="0" hangingPunct="1">
-              <a:lnSpc>
-                <a:spcPct val="100000"/>
-              </a:lnSpc>
-              <a:spcBef>
-                <a:spcPts val="0"/>
-              </a:spcBef>
-              <a:spcAft>
-                <a:spcPts val="0"/>
-              </a:spcAft>
-              <a:buClrTx/>
-              <a:buSzTx/>
-              <a:buFontTx/>
-              <a:buNone/>
-              <a:tabLst/>
-              <a:defRPr/>
-            </a:pPr>
-            <a:endParaRPr kumimoji="0" lang="en-US" sz="1800" b="0" i="0" u="none" strike="noStrike" kern="1200" cap="none" spc="0" normalizeH="0" baseline="0" noProof="0" dirty="0">
-              <a:ln>
-                <a:noFill/>
-              </a:ln>
-              <a:solidFill>
-                <a:prstClr val="white"/>
-              </a:solidFill>
-              <a:effectLst/>
-              <a:uLnTx/>
-              <a:uFillTx/>
-              <a:latin typeface="Calibri" panose="020F0502020204030204"/>
-              <a:ea typeface="+mn-ea"/>
-              <a:cs typeface="+mn-cs"/>
-            </a:endParaRPr>
-          </a:p>
-          <a:p>
-            <a:pPr marL="285750" marR="0" lvl="0" indent="-285750" algn="l" defTabSz="914400" rtl="0" eaLnBrk="1" fontAlgn="auto" latinLnBrk="0" hangingPunct="1">
-              <a:lnSpc>
-                <a:spcPct val="100000"/>
-              </a:lnSpc>
-              <a:spcBef>
-                <a:spcPts val="0"/>
-              </a:spcBef>
-              <a:spcAft>
-                <a:spcPts val="0"/>
-              </a:spcAft>
-              <a:buClrTx/>
-              <a:buSzTx/>
-              <a:buFont typeface="Wingdings" panose="05000000000000000000" pitchFamily="2" charset="2"/>
-              <a:buChar char="Ø"/>
-              <a:tabLst/>
-              <a:defRPr/>
-            </a:pPr>
-            <a:r>
-              <a:rPr kumimoji="0" lang="en-US" sz="1800" b="0" i="0" u="none" strike="noStrike" kern="1200" cap="none" spc="0" normalizeH="0" baseline="0" noProof="0" dirty="0">
-                <a:ln>
-                  <a:noFill/>
-                </a:ln>
-                <a:solidFill>
-                  <a:prstClr val="white"/>
-                </a:solidFill>
-                <a:effectLst/>
-                <a:uLnTx/>
-                <a:uFillTx/>
-                <a:latin typeface="Söhne"/>
-                <a:ea typeface="+mn-ea"/>
-                <a:cs typeface="+mn-cs"/>
-              </a:rPr>
-              <a:t>The 50% discount on Personal Care Products has a negative impact on revenue after promotions.</a:t>
-            </a:r>
-            <a:endParaRPr kumimoji="0" lang="en-IN" sz="1800" b="0" i="0" u="none" strike="noStrike" kern="1200" cap="none" spc="0" normalizeH="0" baseline="0" noProof="0" dirty="0">
-              <a:ln>
-                <a:noFill/>
-              </a:ln>
-              <a:solidFill>
-                <a:prstClr val="white"/>
-              </a:solidFill>
-              <a:effectLst/>
-              <a:uLnTx/>
-              <a:uFillTx/>
-              <a:latin typeface="Calibri" panose="020F0502020204030204"/>
-              <a:ea typeface="+mn-ea"/>
-              <a:cs typeface="+mn-cs"/>
-            </a:endParaRPr>
-          </a:p>
-        </p:txBody>
-      </p:sp>
-    </p:spTree>
-    <p:extLst>
-      <p:ext uri="{BB962C8B-B14F-4D97-AF65-F5344CB8AC3E}">
-        <p14:creationId xmlns:p14="http://schemas.microsoft.com/office/powerpoint/2010/main" val="246078838"/>
-      </p:ext>
-    </p:extLst>
-  </p:cSld>
-  <p:clrMapOvr>
-    <a:masterClrMapping/>
-  </p:clrMapOvr>
-</p:sld>
-</file>
-
-<file path=ppt/slides/slide21.xml><?xml version="1.0" encoding="utf-8"?>
-<p:sld xmlns:a="http://schemas.openxmlformats.org/drawingml/2006/main" xmlns:r="http://schemas.openxmlformats.org/officeDocument/2006/relationships" xmlns:p="http://schemas.openxmlformats.org/presentationml/2006/main">
-  <p:cSld>
-    <p:bg>
-      <p:bgPr>
-        <a:blipFill dpi="0" rotWithShape="1">
-          <a:blip r:embed="rId2">
-            <a:lum/>
-          </a:blip>
-          <a:srcRect/>
-          <a:stretch>
-            <a:fillRect/>
-          </a:stretch>
-        </a:blipFill>
-        <a:effectLst/>
-      </p:bgPr>
-    </p:bg>
-    <p:spTree>
-      <p:nvGrpSpPr>
-        <p:cNvPr id="1" name="">
-          <a:extLst>
-            <a:ext uri="{FF2B5EF4-FFF2-40B4-BE49-F238E27FC236}">
               <a16:creationId xmlns:a16="http://schemas.microsoft.com/office/drawing/2014/main" id="{BDD27B9B-BF44-2014-EC97-62AA83155A4D}"/>
             </a:ext>
           </a:extLst>
@@ -11954,7 +11771,7 @@
 </p:sld>
 </file>
 
-<file path=ppt/slides/slide22.xml><?xml version="1.0" encoding="utf-8"?>
+<file path=ppt/slides/slide21.xml><?xml version="1.0" encoding="utf-8"?>
 <p:sld xmlns:a="http://schemas.openxmlformats.org/drawingml/2006/main" xmlns:r="http://schemas.openxmlformats.org/officeDocument/2006/relationships" xmlns:p="http://schemas.openxmlformats.org/presentationml/2006/main">
   <p:cSld>
     <p:bg>
@@ -12314,7 +12131,7 @@
 </p:sld>
 </file>
 
-<file path=ppt/slides/slide23.xml><?xml version="1.0" encoding="utf-8"?>
+<file path=ppt/slides/slide22.xml><?xml version="1.0" encoding="utf-8"?>
 <p:sld xmlns:a="http://schemas.openxmlformats.org/drawingml/2006/main" xmlns:r="http://schemas.openxmlformats.org/officeDocument/2006/relationships" xmlns:p="http://schemas.openxmlformats.org/presentationml/2006/main">
   <p:cSld>
     <p:bg>
@@ -12547,7 +12364,7 @@
 </p:sld>
 </file>
 
-<file path=ppt/slides/slide24.xml><?xml version="1.0" encoding="utf-8"?>
+<file path=ppt/slides/slide23.xml><?xml version="1.0" encoding="utf-8"?>
 <p:sld xmlns:a="http://schemas.openxmlformats.org/drawingml/2006/main" xmlns:r="http://schemas.openxmlformats.org/officeDocument/2006/relationships" xmlns:p="http://schemas.openxmlformats.org/presentationml/2006/main">
   <p:cSld>
     <p:bg>
@@ -21124,7 +20941,7 @@
       </p:grpSpPr>
       <p:pic>
         <p:nvPicPr>
-          <p:cNvPr id="3" name="Picture" title="This slide contains the following visuals: actionButton ,actionButton ,actionButton ,shape ,textbox ,image ,image ,actionButton ,actionButton ,Review ,actionButton. Please refer to the notes on this slide for details">
+          <p:cNvPr id="3" name="Picture" title="This slide contains the following visuals: image ,image ,textbox ,shape ,Revenue ,clusteredColumnChart ,Campaign ,actionButton ,actionButton ,actionButton ,Review ,actionButton ,actionButton ,actionButton ,actionButton. Please refer to the notes on this slide for details">
             <a:hlinkClick r:id="rId3"/>
           </p:cNvPr>
           <p:cNvPicPr>
@@ -21165,7 +20982,7 @@
           <a:lstStyle/>
           <a:p>
             <a:r>
-              <a:t>Home Page</a:t>
+              <a:t>Home_page</a:t>
             </a:r>
           </a:p>
         </p:txBody>
@@ -21179,79 +20996,6 @@
 </file>
 
 <file path=ppt/slides/slide8.xml><?xml version="1.0" encoding="utf-8"?>
-<p:sld xmlns:a="http://schemas.openxmlformats.org/drawingml/2006/main" xmlns:r="http://schemas.openxmlformats.org/officeDocument/2006/relationships" xmlns:p="http://schemas.openxmlformats.org/presentationml/2006/main">
-  <p:cSld>
-    <p:spTree>
-      <p:nvGrpSpPr>
-        <p:cNvPr id="1" name=""/>
-        <p:cNvGrpSpPr/>
-        <p:nvPr/>
-      </p:nvGrpSpPr>
-      <p:grpSpPr>
-        <a:xfrm>
-          <a:off x="0" y="0"/>
-          <a:ext cx="0" cy="0"/>
-          <a:chOff x="0" y="0"/>
-          <a:chExt cx="0" cy="0"/>
-        </a:xfrm>
-      </p:grpSpPr>
-      <p:pic>
-        <p:nvPicPr>
-          <p:cNvPr id="3" name="Picture" title="This slide contains the following visuals: image ,image ,textbox ,shape ,Revenue_after_Promo ,Revenue_after_Promo ,Campaign ,actionButton. Please refer to the notes on this slide for details">
-            <a:hlinkClick r:id="rId3"/>
-          </p:cNvPr>
-          <p:cNvPicPr>
-            <a:picLocks noChangeAspect="1"/>
-          </p:cNvPicPr>
-          <p:nvPr/>
-        </p:nvPicPr>
-        <p:blipFill>
-          <a:blip r:embed="rId4"/>
-          <a:stretch>
-            <a:fillRect/>
-          </a:stretch>
-        </p:blipFill>
-        <p:spPr>
-          <a:xfrm>
-            <a:off x="76200" y="0"/>
-            <a:ext cx="12020550" cy="6858000"/>
-          </a:xfrm>
-          <a:prstGeom prst="rect">
-            <a:avLst/>
-          </a:prstGeom>
-          <a:noFill/>
-        </p:spPr>
-      </p:pic>
-      <p:sp>
-        <p:nvSpPr>
-          <p:cNvPr id="4" name="Title" hidden="1"/>
-          <p:cNvSpPr>
-            <a:spLocks noGrp="1"/>
-          </p:cNvSpPr>
-          <p:nvPr>
-            <p:ph type="title"/>
-          </p:nvPr>
-        </p:nvSpPr>
-        <p:spPr/>
-        <p:txBody>
-          <a:bodyPr/>
-          <a:lstStyle/>
-          <a:p>
-            <a:r>
-              <a:t>City</a:t>
-            </a:r>
-          </a:p>
-        </p:txBody>
-      </p:sp>
-    </p:spTree>
-  </p:cSld>
-  <p:clrMapOvr>
-    <a:masterClrMapping/>
-  </p:clrMapOvr>
-</p:sld>
-</file>
-
-<file path=ppt/slides/slide9.xml><?xml version="1.0" encoding="utf-8"?>
 <p:sld xmlns:a="http://schemas.openxmlformats.org/drawingml/2006/main" xmlns:r="http://schemas.openxmlformats.org/officeDocument/2006/relationships" xmlns:p="http://schemas.openxmlformats.org/presentationml/2006/main">
   <p:cSld>
     <p:spTree>
@@ -21312,6 +21056,79 @@
           <a:p>
             <a:r>
               <a:t>Store_Performance</a:t>
+            </a:r>
+          </a:p>
+        </p:txBody>
+      </p:sp>
+    </p:spTree>
+  </p:cSld>
+  <p:clrMapOvr>
+    <a:masterClrMapping/>
+  </p:clrMapOvr>
+</p:sld>
+</file>
+
+<file path=ppt/slides/slide9.xml><?xml version="1.0" encoding="utf-8"?>
+<p:sld xmlns:a="http://schemas.openxmlformats.org/drawingml/2006/main" xmlns:r="http://schemas.openxmlformats.org/officeDocument/2006/relationships" xmlns:p="http://schemas.openxmlformats.org/presentationml/2006/main">
+  <p:cSld>
+    <p:spTree>
+      <p:nvGrpSpPr>
+        <p:cNvPr id="1" name=""/>
+        <p:cNvGrpSpPr/>
+        <p:nvPr/>
+      </p:nvGrpSpPr>
+      <p:grpSpPr>
+        <a:xfrm>
+          <a:off x="0" y="0"/>
+          <a:ext cx="0" cy="0"/>
+          <a:chOff x="0" y="0"/>
+          <a:chExt cx="0" cy="0"/>
+        </a:xfrm>
+      </p:grpSpPr>
+      <p:pic>
+        <p:nvPicPr>
+          <p:cNvPr id="3" name="Picture" title="This slide contains the following visuals: shape ,tableEx ,tableEx ,textbox ,textbox ,Incremental_Sold_Unit by promo_type ,shape ,Incremental_Revenue by promo_type ,shape ,shape ,textbox ,pageNavigator ,image ,image. Please refer to the notes on this slide for details">
+            <a:hlinkClick r:id="rId3"/>
+          </p:cNvPr>
+          <p:cNvPicPr>
+            <a:picLocks noChangeAspect="1"/>
+          </p:cNvPicPr>
+          <p:nvPr/>
+        </p:nvPicPr>
+        <p:blipFill>
+          <a:blip r:embed="rId4"/>
+          <a:stretch>
+            <a:fillRect/>
+          </a:stretch>
+        </p:blipFill>
+        <p:spPr>
+          <a:xfrm>
+            <a:off x="76200" y="0"/>
+            <a:ext cx="12020550" cy="6858000"/>
+          </a:xfrm>
+          <a:prstGeom prst="rect">
+            <a:avLst/>
+          </a:prstGeom>
+          <a:noFill/>
+        </p:spPr>
+      </p:pic>
+      <p:sp>
+        <p:nvSpPr>
+          <p:cNvPr id="4" name="Title" hidden="1"/>
+          <p:cNvSpPr>
+            <a:spLocks noGrp="1"/>
+          </p:cNvSpPr>
+          <p:nvPr>
+            <p:ph type="title"/>
+          </p:nvPr>
+        </p:nvSpPr>
+        <p:spPr/>
+        <p:txBody>
+          <a:bodyPr/>
+          <a:lstStyle/>
+          <a:p>
+            <a:r>
+              <a:t>Promotion_Type</a:t>
             </a:r>
           </a:p>
         </p:txBody>
